--- a/proposal/presentation/Project_ALDA.pptx
+++ b/proposal/presentation/Project_ALDA.pptx
@@ -1403,23 +1403,23 @@
     </dgm:pt>
   </dgm:ptLst>
   <dgm:cxnLst>
-    <dgm:cxn modelId="{40EA2CDD-70B0-FF4E-A730-86F072C5891A}" type="presOf" srcId="{C4D6C02C-105F-B247-8D96-F6CFE9EBA1F2}" destId="{3205682F-081E-9347-9CD5-F8D6BA69DD1C}" srcOrd="0" destOrd="0" presId="urn:microsoft.com/office/officeart/2008/layout/BendingPictureCaption"/>
+    <dgm:cxn modelId="{67C1B5F7-3F6F-8F4A-A2A4-77130D376799}" type="presOf" srcId="{6B4DDFC3-760C-F043-8E13-FE2D35D44011}" destId="{58D38551-DF9C-5944-A248-8820709C248B}" srcOrd="0" destOrd="0" presId="urn:microsoft.com/office/officeart/2008/layout/BendingPictureCaption"/>
+    <dgm:cxn modelId="{4A3A7600-8CEE-5943-AD96-DEDFE15C8C5E}" type="presOf" srcId="{47A1346B-B9C7-D24A-A6D0-BB46A63A1FFE}" destId="{4F8085F0-0128-314E-A6EA-3B6EC128A60B}" srcOrd="0" destOrd="1" presId="urn:microsoft.com/office/officeart/2008/layout/BendingPictureCaption"/>
     <dgm:cxn modelId="{12F52C23-7414-F249-8FEC-AE3A10805D4B}" type="presOf" srcId="{4E00BB47-875C-0A4D-BDCE-8D1CB352E671}" destId="{3205682F-081E-9347-9CD5-F8D6BA69DD1C}" srcOrd="0" destOrd="2" presId="urn:microsoft.com/office/officeart/2008/layout/BendingPictureCaption"/>
-    <dgm:cxn modelId="{BE05CFD5-BFA8-F641-8AB7-30B857FBE53D}" srcId="{C2332775-0E84-3D45-BECF-1FFE9F8D5DD4}" destId="{47A1346B-B9C7-D24A-A6D0-BB46A63A1FFE}" srcOrd="0" destOrd="0" parTransId="{533A6E5C-3706-864B-AD7E-EF7875F4F01A}" sibTransId="{C565DA60-4109-B04D-85B5-6FBF1A8B00E9}"/>
-    <dgm:cxn modelId="{67C1B5F7-3F6F-8F4A-A2A4-77130D376799}" type="presOf" srcId="{6B4DDFC3-760C-F043-8E13-FE2D35D44011}" destId="{58D38551-DF9C-5944-A248-8820709C248B}" srcOrd="0" destOrd="0" presId="urn:microsoft.com/office/officeart/2008/layout/BendingPictureCaption"/>
-    <dgm:cxn modelId="{69D1C2D1-84F0-A546-BF92-F1CE7268A862}" srcId="{E192D479-9E9A-ED45-8DEA-6188913BE943}" destId="{C4D6C02C-105F-B247-8D96-F6CFE9EBA1F2}" srcOrd="0" destOrd="0" parTransId="{16EF89FC-7D20-4546-A572-0843FAECDAC2}" sibTransId="{283AFF5E-0719-E240-BD0B-1E6ABA5363BD}"/>
-    <dgm:cxn modelId="{234A566F-0399-0949-AF64-D1AE55D04019}" type="presOf" srcId="{83593667-BFA7-9C47-B41C-20CECD9EE4D6}" destId="{4F8085F0-0128-314E-A6EA-3B6EC128A60B}" srcOrd="0" destOrd="2" presId="urn:microsoft.com/office/officeart/2008/layout/BendingPictureCaption"/>
-    <dgm:cxn modelId="{6A164261-58D8-2247-90DC-58F6477379B9}" srcId="{C2332775-0E84-3D45-BECF-1FFE9F8D5DD4}" destId="{83593667-BFA7-9C47-B41C-20CECD9EE4D6}" srcOrd="1" destOrd="0" parTransId="{F72A024A-CE36-6344-A797-6B6B8CEB4137}" sibTransId="{03525689-7103-364A-B274-17427BD3D7AD}"/>
+    <dgm:cxn modelId="{F2937556-C7BA-7B4D-92E9-79D1165D55DE}" type="presOf" srcId="{C2332775-0E84-3D45-BECF-1FFE9F8D5DD4}" destId="{4F8085F0-0128-314E-A6EA-3B6EC128A60B}" srcOrd="0" destOrd="0" presId="urn:microsoft.com/office/officeart/2008/layout/BendingPictureCaption"/>
+    <dgm:cxn modelId="{D5098D1A-F579-EB4E-86C8-965F31BA89E5}" type="presOf" srcId="{9B49C8B5-BFA6-4947-8B2B-DE0A654B7E4E}" destId="{3205682F-081E-9347-9CD5-F8D6BA69DD1C}" srcOrd="0" destOrd="1" presId="urn:microsoft.com/office/officeart/2008/layout/BendingPictureCaption"/>
+    <dgm:cxn modelId="{26FB1F68-72AF-744A-9E10-2D9A25561660}" srcId="{6B4DDFC3-760C-F043-8E13-FE2D35D44011}" destId="{06271501-845D-4D40-A951-1751E262C46F}" srcOrd="0" destOrd="0" parTransId="{ECAB0DE5-48B0-B34B-97FB-1A646C952EEC}" sibTransId="{66BFA9BF-E57A-9D4E-A467-C98240E8B467}"/>
+    <dgm:cxn modelId="{CCD7F9A4-F31E-6541-BD59-E9BAFCD42A3B}" type="presOf" srcId="{06271501-845D-4D40-A951-1751E262C46F}" destId="{58D38551-DF9C-5944-A248-8820709C248B}" srcOrd="0" destOrd="1" presId="urn:microsoft.com/office/officeart/2008/layout/BendingPictureCaption"/>
     <dgm:cxn modelId="{FD5732C6-CE5C-BF49-88C7-7D2BC381E0D4}" srcId="{C4D6C02C-105F-B247-8D96-F6CFE9EBA1F2}" destId="{4E00BB47-875C-0A4D-BDCE-8D1CB352E671}" srcOrd="1" destOrd="0" parTransId="{B7C72BBD-CABD-FD44-9EC2-1FC84E1A2615}" sibTransId="{89C717A1-D2C3-0F42-8372-460BEBD16E8A}"/>
     <dgm:cxn modelId="{ED77FE87-B002-E741-B8A5-DE55DC1DFEE4}" srcId="{E192D479-9E9A-ED45-8DEA-6188913BE943}" destId="{6B4DDFC3-760C-F043-8E13-FE2D35D44011}" srcOrd="2" destOrd="0" parTransId="{1C8AA43D-4BA7-D545-AAA0-3DE7E0F4BF36}" sibTransId="{0252D0DA-F8BB-5C47-A426-5894C4501509}"/>
-    <dgm:cxn modelId="{CCD7F9A4-F31E-6541-BD59-E9BAFCD42A3B}" type="presOf" srcId="{06271501-845D-4D40-A951-1751E262C46F}" destId="{58D38551-DF9C-5944-A248-8820709C248B}" srcOrd="0" destOrd="1" presId="urn:microsoft.com/office/officeart/2008/layout/BendingPictureCaption"/>
     <dgm:cxn modelId="{A0285BF2-A8A1-3B47-9E24-F4438DDBE249}" type="presOf" srcId="{E192D479-9E9A-ED45-8DEA-6188913BE943}" destId="{ECB3D4A8-D81A-F841-BA22-6D39EA0D2C86}" srcOrd="0" destOrd="0" presId="urn:microsoft.com/office/officeart/2008/layout/BendingPictureCaption"/>
-    <dgm:cxn modelId="{D5098D1A-F579-EB4E-86C8-965F31BA89E5}" type="presOf" srcId="{9B49C8B5-BFA6-4947-8B2B-DE0A654B7E4E}" destId="{3205682F-081E-9347-9CD5-F8D6BA69DD1C}" srcOrd="0" destOrd="1" presId="urn:microsoft.com/office/officeart/2008/layout/BendingPictureCaption"/>
-    <dgm:cxn modelId="{26FB1F68-72AF-744A-9E10-2D9A25561660}" srcId="{6B4DDFC3-760C-F043-8E13-FE2D35D44011}" destId="{06271501-845D-4D40-A951-1751E262C46F}" srcOrd="0" destOrd="0" parTransId="{ECAB0DE5-48B0-B34B-97FB-1A646C952EEC}" sibTransId="{66BFA9BF-E57A-9D4E-A467-C98240E8B467}"/>
+    <dgm:cxn modelId="{BE05CFD5-BFA8-F641-8AB7-30B857FBE53D}" srcId="{C2332775-0E84-3D45-BECF-1FFE9F8D5DD4}" destId="{47A1346B-B9C7-D24A-A6D0-BB46A63A1FFE}" srcOrd="0" destOrd="0" parTransId="{533A6E5C-3706-864B-AD7E-EF7875F4F01A}" sibTransId="{C565DA60-4109-B04D-85B5-6FBF1A8B00E9}"/>
+    <dgm:cxn modelId="{6A164261-58D8-2247-90DC-58F6477379B9}" srcId="{C2332775-0E84-3D45-BECF-1FFE9F8D5DD4}" destId="{83593667-BFA7-9C47-B41C-20CECD9EE4D6}" srcOrd="1" destOrd="0" parTransId="{F72A024A-CE36-6344-A797-6B6B8CEB4137}" sibTransId="{03525689-7103-364A-B274-17427BD3D7AD}"/>
+    <dgm:cxn modelId="{D86C1F07-EBA6-8F43-96A3-56BC67C91E0D}" srcId="{C4D6C02C-105F-B247-8D96-F6CFE9EBA1F2}" destId="{9B49C8B5-BFA6-4947-8B2B-DE0A654B7E4E}" srcOrd="0" destOrd="0" parTransId="{EC8CB5D8-D129-1D45-9A02-EF69D73AB74E}" sibTransId="{9CB9468A-9137-FE4D-A9FB-1AEEFCAE4146}"/>
+    <dgm:cxn modelId="{69D1C2D1-84F0-A546-BF92-F1CE7268A862}" srcId="{E192D479-9E9A-ED45-8DEA-6188913BE943}" destId="{C4D6C02C-105F-B247-8D96-F6CFE9EBA1F2}" srcOrd="0" destOrd="0" parTransId="{16EF89FC-7D20-4546-A572-0843FAECDAC2}" sibTransId="{283AFF5E-0719-E240-BD0B-1E6ABA5363BD}"/>
     <dgm:cxn modelId="{158F95E6-686B-2B40-87A1-2716C25F1698}" srcId="{E192D479-9E9A-ED45-8DEA-6188913BE943}" destId="{C2332775-0E84-3D45-BECF-1FFE9F8D5DD4}" srcOrd="1" destOrd="0" parTransId="{885EE363-B513-0940-AF6E-7D08A93E67A3}" sibTransId="{43D953EA-4307-DF4F-953A-7C86FD962A90}"/>
-    <dgm:cxn modelId="{4A3A7600-8CEE-5943-AD96-DEDFE15C8C5E}" type="presOf" srcId="{47A1346B-B9C7-D24A-A6D0-BB46A63A1FFE}" destId="{4F8085F0-0128-314E-A6EA-3B6EC128A60B}" srcOrd="0" destOrd="1" presId="urn:microsoft.com/office/officeart/2008/layout/BendingPictureCaption"/>
-    <dgm:cxn modelId="{F2937556-C7BA-7B4D-92E9-79D1165D55DE}" type="presOf" srcId="{C2332775-0E84-3D45-BECF-1FFE9F8D5DD4}" destId="{4F8085F0-0128-314E-A6EA-3B6EC128A60B}" srcOrd="0" destOrd="0" presId="urn:microsoft.com/office/officeart/2008/layout/BendingPictureCaption"/>
-    <dgm:cxn modelId="{D86C1F07-EBA6-8F43-96A3-56BC67C91E0D}" srcId="{C4D6C02C-105F-B247-8D96-F6CFE9EBA1F2}" destId="{9B49C8B5-BFA6-4947-8B2B-DE0A654B7E4E}" srcOrd="0" destOrd="0" parTransId="{EC8CB5D8-D129-1D45-9A02-EF69D73AB74E}" sibTransId="{9CB9468A-9137-FE4D-A9FB-1AEEFCAE4146}"/>
+    <dgm:cxn modelId="{40EA2CDD-70B0-FF4E-A730-86F072C5891A}" type="presOf" srcId="{C4D6C02C-105F-B247-8D96-F6CFE9EBA1F2}" destId="{3205682F-081E-9347-9CD5-F8D6BA69DD1C}" srcOrd="0" destOrd="0" presId="urn:microsoft.com/office/officeart/2008/layout/BendingPictureCaption"/>
+    <dgm:cxn modelId="{234A566F-0399-0949-AF64-D1AE55D04019}" type="presOf" srcId="{83593667-BFA7-9C47-B41C-20CECD9EE4D6}" destId="{4F8085F0-0128-314E-A6EA-3B6EC128A60B}" srcOrd="0" destOrd="2" presId="urn:microsoft.com/office/officeart/2008/layout/BendingPictureCaption"/>
     <dgm:cxn modelId="{5FE3594C-7671-B241-9A4C-33E37767AA2C}" type="presParOf" srcId="{ECB3D4A8-D81A-F841-BA22-6D39EA0D2C86}" destId="{D299734F-7D56-014A-9573-A5EB4C53C8C9}" srcOrd="0" destOrd="0" presId="urn:microsoft.com/office/officeart/2008/layout/BendingPictureCaption"/>
     <dgm:cxn modelId="{8EC8F494-0DE6-774B-854E-44D9BCE0DAA5}" type="presParOf" srcId="{D299734F-7D56-014A-9573-A5EB4C53C8C9}" destId="{56715F03-DAA1-0C44-9D2E-486FA3339149}" srcOrd="0" destOrd="0" presId="urn:microsoft.com/office/officeart/2008/layout/BendingPictureCaption"/>
     <dgm:cxn modelId="{C07D6352-4245-8A4D-8B89-D76594BF9144}" type="presParOf" srcId="{D299734F-7D56-014A-9573-A5EB4C53C8C9}" destId="{3205682F-081E-9347-9CD5-F8D6BA69DD1C}" srcOrd="1" destOrd="0" presId="urn:microsoft.com/office/officeart/2008/layout/BendingPictureCaption"/>
@@ -3301,7 +3301,7 @@
           <a:p>
             <a:fld id="{BCB0E3C2-48DE-B945-9E53-9D2D4342E1BA}" type="datetimeFigureOut">
               <a:rPr lang="en-US" smtClean="0"/>
-              <a:t>1/26/17</a:t>
+              <a:t>1/27/17</a:t>
             </a:fld>
             <a:endParaRPr lang="en-US"/>
           </a:p>
@@ -3784,7 +3784,7 @@
           <a:p>
             <a:fld id="{C5164158-0CE9-4349-B3F5-2F2E57F0D0CB}" type="datetimeFigureOut">
               <a:rPr lang="en-US" smtClean="0"/>
-              <a:t>1/26/17</a:t>
+              <a:t>1/27/17</a:t>
             </a:fld>
             <a:endParaRPr lang="en-US"/>
           </a:p>
@@ -3954,7 +3954,7 @@
           <a:p>
             <a:fld id="{C5164158-0CE9-4349-B3F5-2F2E57F0D0CB}" type="datetimeFigureOut">
               <a:rPr lang="en-US" smtClean="0"/>
-              <a:t>1/26/17</a:t>
+              <a:t>1/27/17</a:t>
             </a:fld>
             <a:endParaRPr lang="en-US"/>
           </a:p>
@@ -4134,7 +4134,7 @@
           <a:p>
             <a:fld id="{C5164158-0CE9-4349-B3F5-2F2E57F0D0CB}" type="datetimeFigureOut">
               <a:rPr lang="en-US" smtClean="0"/>
-              <a:t>1/26/17</a:t>
+              <a:t>1/27/17</a:t>
             </a:fld>
             <a:endParaRPr lang="en-US"/>
           </a:p>
@@ -4304,7 +4304,7 @@
           <a:p>
             <a:fld id="{C5164158-0CE9-4349-B3F5-2F2E57F0D0CB}" type="datetimeFigureOut">
               <a:rPr lang="en-US" smtClean="0"/>
-              <a:t>1/26/17</a:t>
+              <a:t>1/27/17</a:t>
             </a:fld>
             <a:endParaRPr lang="en-US"/>
           </a:p>
@@ -4550,7 +4550,7 @@
           <a:p>
             <a:fld id="{C5164158-0CE9-4349-B3F5-2F2E57F0D0CB}" type="datetimeFigureOut">
               <a:rPr lang="en-US" smtClean="0"/>
-              <a:t>1/26/17</a:t>
+              <a:t>1/27/17</a:t>
             </a:fld>
             <a:endParaRPr lang="en-US"/>
           </a:p>
@@ -4782,7 +4782,7 @@
           <a:p>
             <a:fld id="{C5164158-0CE9-4349-B3F5-2F2E57F0D0CB}" type="datetimeFigureOut">
               <a:rPr lang="en-US" smtClean="0"/>
-              <a:t>1/26/17</a:t>
+              <a:t>1/27/17</a:t>
             </a:fld>
             <a:endParaRPr lang="en-US"/>
           </a:p>
@@ -5149,7 +5149,7 @@
           <a:p>
             <a:fld id="{C5164158-0CE9-4349-B3F5-2F2E57F0D0CB}" type="datetimeFigureOut">
               <a:rPr lang="en-US" smtClean="0"/>
-              <a:t>1/26/17</a:t>
+              <a:t>1/27/17</a:t>
             </a:fld>
             <a:endParaRPr lang="en-US"/>
           </a:p>
@@ -5267,7 +5267,7 @@
           <a:p>
             <a:fld id="{C5164158-0CE9-4349-B3F5-2F2E57F0D0CB}" type="datetimeFigureOut">
               <a:rPr lang="en-US" smtClean="0"/>
-              <a:t>1/26/17</a:t>
+              <a:t>1/27/17</a:t>
             </a:fld>
             <a:endParaRPr lang="en-US"/>
           </a:p>
@@ -5362,7 +5362,7 @@
           <a:p>
             <a:fld id="{C5164158-0CE9-4349-B3F5-2F2E57F0D0CB}" type="datetimeFigureOut">
               <a:rPr lang="en-US" smtClean="0"/>
-              <a:t>1/26/17</a:t>
+              <a:t>1/27/17</a:t>
             </a:fld>
             <a:endParaRPr lang="en-US"/>
           </a:p>
@@ -5639,7 +5639,7 @@
           <a:p>
             <a:fld id="{C5164158-0CE9-4349-B3F5-2F2E57F0D0CB}" type="datetimeFigureOut">
               <a:rPr lang="en-US" smtClean="0"/>
-              <a:t>1/26/17</a:t>
+              <a:t>1/27/17</a:t>
             </a:fld>
             <a:endParaRPr lang="en-US"/>
           </a:p>
@@ -5896,7 +5896,7 @@
           <a:p>
             <a:fld id="{C5164158-0CE9-4349-B3F5-2F2E57F0D0CB}" type="datetimeFigureOut">
               <a:rPr lang="en-US" smtClean="0"/>
-              <a:t>1/26/17</a:t>
+              <a:t>1/27/17</a:t>
             </a:fld>
             <a:endParaRPr lang="en-US"/>
           </a:p>
@@ -6109,7 +6109,7 @@
           <a:p>
             <a:fld id="{C5164158-0CE9-4349-B3F5-2F2E57F0D0CB}" type="datetimeFigureOut">
               <a:rPr lang="en-US" smtClean="0"/>
-              <a:t>1/26/17</a:t>
+              <a:t>1/27/17</a:t>
             </a:fld>
             <a:endParaRPr lang="en-US"/>
           </a:p>
@@ -6682,7 +6682,7 @@
         </p:blipFill>
         <p:spPr>
           <a:xfrm>
-            <a:off x="213103" y="50617"/>
+            <a:off x="149603" y="50617"/>
             <a:ext cx="8143497" cy="4901659"/>
           </a:xfrm>
         </p:spPr>
@@ -6716,6 +6716,89 @@
           </a:xfrm>
         </p:spPr>
       </p:pic>
+      <p:sp>
+        <p:nvSpPr>
+          <p:cNvPr id="2" name="TextBox 1"/>
+          <p:cNvSpPr txBox="1"/>
+          <p:nvPr/>
+        </p:nvSpPr>
+        <p:spPr>
+          <a:xfrm>
+            <a:off x="8839200" y="3886200"/>
+            <a:ext cx="1830437" cy="369332"/>
+          </a:xfrm>
+          <a:prstGeom prst="rect">
+            <a:avLst/>
+          </a:prstGeom>
+          <a:noFill/>
+        </p:spPr>
+        <p:txBody>
+          <a:bodyPr wrap="none" rtlCol="0">
+            <a:spAutoFit/>
+          </a:bodyPr>
+          <a:lstStyle/>
+          <a:p>
+            <a:r>
+              <a:rPr lang="en-US" dirty="0" smtClean="0">
+                <a:solidFill>
+                  <a:srgbClr val="FF0000"/>
+                </a:solidFill>
+              </a:rPr>
+              <a:t>Econ Department</a:t>
+            </a:r>
+            <a:endParaRPr lang="en-US" dirty="0">
+              <a:solidFill>
+                <a:srgbClr val="FF0000"/>
+              </a:solidFill>
+            </a:endParaRPr>
+          </a:p>
+        </p:txBody>
+      </p:sp>
+      <p:sp>
+        <p:nvSpPr>
+          <p:cNvPr id="3" name="Rectangle 2"/>
+          <p:cNvSpPr/>
+          <p:nvPr/>
+        </p:nvSpPr>
+        <p:spPr>
+          <a:xfrm>
+            <a:off x="3631381" y="50617"/>
+            <a:ext cx="1663789" cy="369332"/>
+          </a:xfrm>
+          <a:prstGeom prst="rect">
+            <a:avLst/>
+          </a:prstGeom>
+        </p:spPr>
+        <p:txBody>
+          <a:bodyPr wrap="none">
+            <a:spAutoFit/>
+          </a:bodyPr>
+          <a:lstStyle/>
+          <a:p>
+            <a:r>
+              <a:rPr lang="en-US" smtClean="0">
+                <a:solidFill>
+                  <a:srgbClr val="FF0000"/>
+                </a:solidFill>
+              </a:rPr>
+              <a:t>CS </a:t>
+            </a:r>
+            <a:r>
+              <a:rPr lang="en-US" dirty="0">
+                <a:solidFill>
+                  <a:srgbClr val="FF0000"/>
+                </a:solidFill>
+              </a:rPr>
+              <a:t>Department</a:t>
+            </a:r>
+            <a:endParaRPr lang="en-US" dirty="0">
+              <a:solidFill>
+                <a:srgbClr val="FF0000"/>
+              </a:solidFill>
+            </a:endParaRPr>
+          </a:p>
+        </p:txBody>
+      </p:sp>
     </p:spTree>
     <p:extLst>
       <p:ext uri="{BB962C8B-B14F-4D97-AF65-F5344CB8AC3E}">

--- a/proposal/presentation/Project_ALDA.pptx
+++ b/proposal/presentation/Project_ALDA.pptx
@@ -5,7 +5,7 @@
     <p:sldMasterId id="2147483684" r:id="rId1"/>
   </p:sldMasterIdLst>
   <p:notesMasterIdLst>
-    <p:notesMasterId r:id="rId14"/>
+    <p:notesMasterId r:id="rId15"/>
   </p:notesMasterIdLst>
   <p:sldIdLst>
     <p:sldId id="266" r:id="rId2"/>
@@ -20,6 +20,7 @@
     <p:sldId id="275" r:id="rId11"/>
     <p:sldId id="265" r:id="rId12"/>
     <p:sldId id="263" r:id="rId13"/>
+    <p:sldId id="276" r:id="rId14"/>
   </p:sldIdLst>
   <p:sldSz cx="12192000" cy="6858000"/>
   <p:notesSz cx="6858000" cy="9144000"/>
@@ -6791,11 +6792,6 @@
               </a:rPr>
               <a:t>Department</a:t>
             </a:r>
-            <a:endParaRPr lang="en-US" dirty="0">
-              <a:solidFill>
-                <a:srgbClr val="FF0000"/>
-              </a:solidFill>
-            </a:endParaRPr>
           </a:p>
         </p:txBody>
       </p:sp>
@@ -11315,6 +11311,67 @@
 </p:sld>
 </file>
 
+<file path=ppt/slides/slide13.xml><?xml version="1.0" encoding="utf-8"?>
+<p:sld xmlns:a="http://schemas.openxmlformats.org/drawingml/2006/main" xmlns:r="http://schemas.openxmlformats.org/officeDocument/2006/relationships" xmlns:p="http://schemas.openxmlformats.org/presentationml/2006/main">
+  <p:cSld>
+    <p:spTree>
+      <p:nvGrpSpPr>
+        <p:cNvPr id="1" name=""/>
+        <p:cNvGrpSpPr/>
+        <p:nvPr/>
+      </p:nvGrpSpPr>
+      <p:grpSpPr>
+        <a:xfrm>
+          <a:off x="0" y="0"/>
+          <a:ext cx="0" cy="0"/>
+          <a:chOff x="0" y="0"/>
+          <a:chExt cx="0" cy="0"/>
+        </a:xfrm>
+      </p:grpSpPr>
+      <p:sp>
+        <p:nvSpPr>
+          <p:cNvPr id="2" name="Title 1"/>
+          <p:cNvSpPr>
+            <a:spLocks noGrp="1"/>
+          </p:cNvSpPr>
+          <p:nvPr>
+            <p:ph type="title"/>
+          </p:nvPr>
+        </p:nvSpPr>
+        <p:spPr>
+          <a:xfrm>
+            <a:off x="939800" y="2282825"/>
+            <a:ext cx="10515600" cy="1325563"/>
+          </a:xfrm>
+        </p:spPr>
+        <p:txBody>
+          <a:bodyPr>
+            <a:normAutofit/>
+          </a:bodyPr>
+          <a:lstStyle/>
+          <a:p>
+            <a:pPr algn="ctr"/>
+            <a:r>
+              <a:rPr lang="en-US" sz="6000" dirty="0" smtClean="0"/>
+              <a:t>Thank you!</a:t>
+            </a:r>
+            <a:endParaRPr lang="en-US" sz="6000" dirty="0"/>
+          </a:p>
+        </p:txBody>
+      </p:sp>
+    </p:spTree>
+    <p:extLst>
+      <p:ext uri="{BB962C8B-B14F-4D97-AF65-F5344CB8AC3E}">
+        <p14:creationId xmlns:p14="http://schemas.microsoft.com/office/powerpoint/2010/main" val="21282378"/>
+      </p:ext>
+    </p:extLst>
+  </p:cSld>
+  <p:clrMapOvr>
+    <a:masterClrMapping/>
+  </p:clrMapOvr>
+</p:sld>
+</file>
+
 <file path=ppt/slides/slide2.xml><?xml version="1.0" encoding="utf-8"?>
 <p:sld xmlns:a="http://schemas.openxmlformats.org/drawingml/2006/main" xmlns:r="http://schemas.openxmlformats.org/officeDocument/2006/relationships" xmlns:p="http://schemas.openxmlformats.org/presentationml/2006/main">
   <p:cSld>
@@ -11437,7 +11494,11 @@
           <a:p>
             <a:r>
               <a:rPr lang="en-US" dirty="0" smtClean="0"/>
-              <a:t>Project Components / Features</a:t>
+              <a:t>Project </a:t>
+            </a:r>
+            <a:r>
+              <a:rPr lang="en-US" dirty="0" smtClean="0"/>
+              <a:t>Milestones</a:t>
             </a:r>
             <a:endParaRPr lang="en-US" dirty="0"/>
           </a:p>
@@ -11489,9 +11550,23 @@
               <a:t>3. </a:t>
             </a:r>
             <a:r>
-              <a:rPr lang="en-US" altLang="zh-CN" dirty="0"/>
-              <a:t>Evaluation</a:t>
-            </a:r>
+              <a:rPr lang="en-US" altLang="zh-CN" dirty="0" smtClean="0"/>
+              <a:t>Course Evaluation and Instructor Evaluation</a:t>
+            </a:r>
+          </a:p>
+          <a:p>
+            <a:endParaRPr lang="en-US" altLang="zh-CN" dirty="0"/>
+          </a:p>
+          <a:p>
+            <a:r>
+              <a:rPr lang="en-US" altLang="zh-CN" dirty="0" smtClean="0"/>
+              <a:t>4. Integrate </a:t>
+            </a:r>
+            <a:r>
+              <a:rPr lang="en-US" altLang="zh-CN" smtClean="0"/>
+              <a:t>those features with an interface</a:t>
+            </a:r>
+            <a:endParaRPr lang="en-US" altLang="zh-CN" dirty="0"/>
           </a:p>
         </p:txBody>
       </p:sp>
@@ -11542,7 +11617,15 @@
           <a:p>
             <a:r>
               <a:rPr lang="en-US" dirty="0" smtClean="0"/>
-              <a:t>Project Objective 1. </a:t>
+              <a:t>Project </a:t>
+            </a:r>
+            <a:r>
+              <a:rPr lang="en-US" dirty="0" smtClean="0"/>
+              <a:t>Milestone 1</a:t>
+            </a:r>
+            <a:r>
+              <a:rPr lang="en-US" dirty="0" smtClean="0"/>
+              <a:t>. </a:t>
             </a:r>
             <a:r>
               <a:rPr lang="mr-IN" dirty="0" smtClean="0"/>
@@ -11650,7 +11733,15 @@
           <a:p>
             <a:r>
               <a:rPr lang="en-US" dirty="0" smtClean="0"/>
-              <a:t>Project Objective 2. </a:t>
+              <a:t>Project </a:t>
+            </a:r>
+            <a:r>
+              <a:rPr lang="en-US" dirty="0" smtClean="0"/>
+              <a:t>Milestone 2</a:t>
+            </a:r>
+            <a:r>
+              <a:rPr lang="en-US" dirty="0" smtClean="0"/>
+              <a:t>. </a:t>
             </a:r>
             <a:r>
               <a:rPr lang="mr-IN" dirty="0" smtClean="0"/>
@@ -11927,7 +12018,15 @@
           <a:p>
             <a:r>
               <a:rPr lang="en-US" dirty="0" smtClean="0"/>
-              <a:t>Project Objective 3. </a:t>
+              <a:t>Project </a:t>
+            </a:r>
+            <a:r>
+              <a:rPr lang="en-US" dirty="0" smtClean="0"/>
+              <a:t>Milestone 3</a:t>
+            </a:r>
+            <a:r>
+              <a:rPr lang="en-US" dirty="0" smtClean="0"/>
+              <a:t>. </a:t>
             </a:r>
             <a:r>
               <a:rPr lang="mr-IN" dirty="0" smtClean="0"/>

--- a/proposal/presentation/Project_ALDA.pptx
+++ b/proposal/presentation/Project_ALDA.pptx
@@ -11494,11 +11494,7 @@
           <a:p>
             <a:r>
               <a:rPr lang="en-US" dirty="0" smtClean="0"/>
-              <a:t>Project </a:t>
-            </a:r>
-            <a:r>
-              <a:rPr lang="en-US" dirty="0" smtClean="0"/>
-              <a:t>Milestones</a:t>
+              <a:t>Project Milestones</a:t>
             </a:r>
             <a:endParaRPr lang="en-US" dirty="0"/>
           </a:p>
@@ -11547,23 +11543,19 @@
           <a:p>
             <a:r>
               <a:rPr lang="en-US" altLang="zh-CN" dirty="0" smtClean="0"/>
-              <a:t>3. </a:t>
-            </a:r>
+              <a:t>3. Course Evaluation and Instructor Evaluation</a:t>
+            </a:r>
+          </a:p>
+          <a:p>
+            <a:endParaRPr lang="en-US" altLang="zh-CN" dirty="0"/>
+          </a:p>
+          <a:p>
             <a:r>
               <a:rPr lang="en-US" altLang="zh-CN" dirty="0" smtClean="0"/>
-              <a:t>Course Evaluation and Instructor Evaluation</a:t>
-            </a:r>
-          </a:p>
-          <a:p>
-            <a:endParaRPr lang="en-US" altLang="zh-CN" dirty="0"/>
-          </a:p>
-          <a:p>
+              <a:t>=&gt; Integrate </a:t>
+            </a:r>
             <a:r>
               <a:rPr lang="en-US" altLang="zh-CN" dirty="0" smtClean="0"/>
-              <a:t>4. Integrate </a:t>
-            </a:r>
-            <a:r>
-              <a:rPr lang="en-US" altLang="zh-CN" smtClean="0"/>
               <a:t>those features with an interface</a:t>
             </a:r>
             <a:endParaRPr lang="en-US" altLang="zh-CN" dirty="0"/>
@@ -11617,15 +11609,7 @@
           <a:p>
             <a:r>
               <a:rPr lang="en-US" dirty="0" smtClean="0"/>
-              <a:t>Project </a:t>
-            </a:r>
-            <a:r>
-              <a:rPr lang="en-US" dirty="0" smtClean="0"/>
-              <a:t>Milestone 1</a:t>
-            </a:r>
-            <a:r>
-              <a:rPr lang="en-US" dirty="0" smtClean="0"/>
-              <a:t>. </a:t>
+              <a:t>Project Milestone 1. </a:t>
             </a:r>
             <a:r>
               <a:rPr lang="mr-IN" dirty="0" smtClean="0"/>
@@ -11733,15 +11717,7 @@
           <a:p>
             <a:r>
               <a:rPr lang="en-US" dirty="0" smtClean="0"/>
-              <a:t>Project </a:t>
-            </a:r>
-            <a:r>
-              <a:rPr lang="en-US" dirty="0" smtClean="0"/>
-              <a:t>Milestone 2</a:t>
-            </a:r>
-            <a:r>
-              <a:rPr lang="en-US" dirty="0" smtClean="0"/>
-              <a:t>. </a:t>
+              <a:t>Project Milestone 2. </a:t>
             </a:r>
             <a:r>
               <a:rPr lang="mr-IN" dirty="0" smtClean="0"/>
@@ -12018,15 +11994,7 @@
           <a:p>
             <a:r>
               <a:rPr lang="en-US" dirty="0" smtClean="0"/>
-              <a:t>Project </a:t>
-            </a:r>
-            <a:r>
-              <a:rPr lang="en-US" dirty="0" smtClean="0"/>
-              <a:t>Milestone 3</a:t>
-            </a:r>
-            <a:r>
-              <a:rPr lang="en-US" dirty="0" smtClean="0"/>
-              <a:t>. </a:t>
+              <a:t>Project Milestone 3. </a:t>
             </a:r>
             <a:r>
               <a:rPr lang="mr-IN" dirty="0" smtClean="0"/>
